--- a/Simulated_Network_Topology.pptx
+++ b/Simulated_Network_Topology.pptx
@@ -104,6 +104,11 @@
       </a:defRPr>
     </a:lvl9pPr>
   </p:defaultTextStyle>
+  <p:extLst>
+    <p:ext uri="{EFAFB233-063F-42B5-8137-9DF3F51BA10A}">
+      <p15:sldGuideLst xmlns:p15="http://schemas.microsoft.com/office/powerpoint/2012/main"/>
+    </p:ext>
+  </p:extLst>
 </p:presentation>
 </file>
 
@@ -3402,7 +3407,7 @@
             </a:avLst>
           </a:prstGeom>
           <a:solidFill>
-            <a:schemeClr val="accent1">
+            <a:schemeClr val="accent6">
               <a:lumMod val="40000"/>
               <a:lumOff val="60000"/>
               <a:alpha val="67000"/>
@@ -3550,14 +3555,14 @@
           </a:ln>
           <a:extLst>
             <a:ext uri="{909E8E84-426E-40dd-AFC4-6F175D3DCCD1}">
-              <a14:hiddenFill xmlns:a14="http://schemas.microsoft.com/office/drawing/2010/main" xmlns="">
+              <a14:hiddenFill xmlns="" xmlns:a14="http://schemas.microsoft.com/office/drawing/2010/main">
                 <a:solidFill>
                   <a:srgbClr val="FFFFFF"/>
                 </a:solidFill>
               </a14:hiddenFill>
             </a:ext>
             <a:ext uri="{91240B29-F687-4f45-9708-019B960494DF}">
-              <a14:hiddenLine xmlns:a14="http://schemas.microsoft.com/office/drawing/2010/main" xmlns="" w="9525">
+              <a14:hiddenLine xmlns="" xmlns:a14="http://schemas.microsoft.com/office/drawing/2010/main" w="9525">
                 <a:solidFill>
                   <a:srgbClr val="000000"/>
                 </a:solidFill>
@@ -3645,14 +3650,14 @@
           </a:ln>
           <a:extLst>
             <a:ext uri="{909E8E84-426E-40dd-AFC4-6F175D3DCCD1}">
-              <a14:hiddenFill xmlns:a14="http://schemas.microsoft.com/office/drawing/2010/main" xmlns="">
+              <a14:hiddenFill xmlns="" xmlns:a14="http://schemas.microsoft.com/office/drawing/2010/main">
                 <a:solidFill>
                   <a:srgbClr val="FFFFFF"/>
                 </a:solidFill>
               </a14:hiddenFill>
             </a:ext>
             <a:ext uri="{91240B29-F687-4f45-9708-019B960494DF}">
-              <a14:hiddenLine xmlns:a14="http://schemas.microsoft.com/office/drawing/2010/main" xmlns="" w="9525">
+              <a14:hiddenLine xmlns="" xmlns:a14="http://schemas.microsoft.com/office/drawing/2010/main" w="9525">
                 <a:solidFill>
                   <a:srgbClr val="000000"/>
                 </a:solidFill>
@@ -3804,14 +3809,14 @@
             </a:ln>
             <a:extLst>
               <a:ext uri="{909E8E84-426E-40dd-AFC4-6F175D3DCCD1}">
-                <a14:hiddenFill xmlns:a14="http://schemas.microsoft.com/office/drawing/2010/main" xmlns="">
+                <a14:hiddenFill xmlns="" xmlns:a14="http://schemas.microsoft.com/office/drawing/2010/main">
                   <a:solidFill>
                     <a:srgbClr val="FFFFFF"/>
                   </a:solidFill>
                 </a14:hiddenFill>
               </a:ext>
               <a:ext uri="{91240B29-F687-4f45-9708-019B960494DF}">
-                <a14:hiddenLine xmlns:a14="http://schemas.microsoft.com/office/drawing/2010/main" xmlns="" w="9525">
+                <a14:hiddenLine xmlns="" xmlns:a14="http://schemas.microsoft.com/office/drawing/2010/main" w="9525">
                   <a:solidFill>
                     <a:srgbClr val="000000"/>
                   </a:solidFill>
@@ -3851,14 +3856,14 @@
             </a:ln>
             <a:extLst>
               <a:ext uri="{909E8E84-426E-40dd-AFC4-6F175D3DCCD1}">
-                <a14:hiddenFill xmlns:a14="http://schemas.microsoft.com/office/drawing/2010/main" xmlns="">
+                <a14:hiddenFill xmlns="" xmlns:a14="http://schemas.microsoft.com/office/drawing/2010/main">
                   <a:solidFill>
                     <a:srgbClr val="FFFFFF"/>
                   </a:solidFill>
                 </a14:hiddenFill>
               </a:ext>
               <a:ext uri="{91240B29-F687-4f45-9708-019B960494DF}">
-                <a14:hiddenLine xmlns:a14="http://schemas.microsoft.com/office/drawing/2010/main" xmlns="" w="9525">
+                <a14:hiddenLine xmlns="" xmlns:a14="http://schemas.microsoft.com/office/drawing/2010/main" w="9525">
                   <a:solidFill>
                     <a:srgbClr val="000000"/>
                   </a:solidFill>
@@ -4089,79 +4094,6 @@
         <p:spPr>
           <a:xfrm>
             <a:off x="1848201" y="2230560"/>
-            <a:ext cx="1505027" cy="369332"/>
-          </a:xfrm>
-          <a:prstGeom prst="rect">
-            <a:avLst/>
-          </a:prstGeom>
-          <a:noFill/>
-        </p:spPr>
-        <p:txBody>
-          <a:bodyPr wrap="none" rtlCol="0">
-            <a:spAutoFit/>
-          </a:bodyPr>
-          <a:lstStyle/>
-          <a:p>
-            <a:r>
-              <a:rPr lang="en-US" dirty="0"/>
-              <a:t>3</a:t>
-            </a:r>
-            <a:r>
-              <a:rPr lang="en-US" baseline="30000" dirty="0"/>
-              <a:t>rd</a:t>
-            </a:r>
-            <a:r>
-              <a:rPr lang="en-US" dirty="0"/>
-              <a:t> party SIEM</a:t>
-            </a:r>
-          </a:p>
-        </p:txBody>
-      </p:sp>
-      <p:pic>
-        <p:nvPicPr>
-          <p:cNvPr id="30" name="Picture 29">
-            <a:extLst>
-              <a:ext uri="{FF2B5EF4-FFF2-40B4-BE49-F238E27FC236}">
-                <a16:creationId xmlns:a16="http://schemas.microsoft.com/office/drawing/2014/main" id="{066B9E14-B64D-BF4C-96D8-9C8D0F2902DD}"/>
-              </a:ext>
-            </a:extLst>
-          </p:cNvPr>
-          <p:cNvPicPr>
-            <a:picLocks noChangeAspect="1"/>
-          </p:cNvPicPr>
-          <p:nvPr/>
-        </p:nvPicPr>
-        <p:blipFill>
-          <a:blip r:embed="rId7"/>
-          <a:stretch>
-            <a:fillRect/>
-          </a:stretch>
-        </p:blipFill>
-        <p:spPr>
-          <a:xfrm>
-            <a:off x="3830154" y="1340704"/>
-            <a:ext cx="900233" cy="900233"/>
-          </a:xfrm>
-          <a:prstGeom prst="rect">
-            <a:avLst/>
-          </a:prstGeom>
-        </p:spPr>
-      </p:pic>
-      <p:sp>
-        <p:nvSpPr>
-          <p:cNvPr id="31" name="TextBox 30">
-            <a:extLst>
-              <a:ext uri="{FF2B5EF4-FFF2-40B4-BE49-F238E27FC236}">
-                <a16:creationId xmlns:a16="http://schemas.microsoft.com/office/drawing/2014/main" id="{9BD7905F-E5B2-0A4B-9816-0D0AE584501D}"/>
-              </a:ext>
-            </a:extLst>
-          </p:cNvPr>
-          <p:cNvSpPr txBox="1"/>
-          <p:nvPr/>
-        </p:nvSpPr>
-        <p:spPr>
-          <a:xfrm>
-            <a:off x="3527641" y="2230560"/>
             <a:ext cx="1659365" cy="369332"/>
           </a:xfrm>
           <a:prstGeom prst="rect">
@@ -4389,6 +4321,128 @@
           </a:fontRef>
         </p:style>
       </p:cxnSp>
+      <p:cxnSp>
+        <p:nvCxnSpPr>
+          <p:cNvPr id="3" name="Straight Arrow Connector 2">
+            <a:extLst>
+              <a:ext uri="{FF2B5EF4-FFF2-40B4-BE49-F238E27FC236}">
+                <a16:creationId xmlns:a16="http://schemas.microsoft.com/office/drawing/2014/main" id="{4027A5B1-C2CF-9747-B686-3F8D470316D9}"/>
+              </a:ext>
+            </a:extLst>
+          </p:cNvPr>
+          <p:cNvCxnSpPr/>
+          <p:nvPr/>
+        </p:nvCxnSpPr>
+        <p:spPr>
+          <a:xfrm>
+            <a:off x="3050715" y="3226676"/>
+            <a:ext cx="779439" cy="0"/>
+          </a:xfrm>
+          <a:prstGeom prst="straightConnector1">
+            <a:avLst/>
+          </a:prstGeom>
+          <a:ln w="38100">
+            <a:solidFill>
+              <a:schemeClr val="accent2"/>
+            </a:solidFill>
+            <a:tailEnd type="triangle"/>
+          </a:ln>
+        </p:spPr>
+        <p:style>
+          <a:lnRef idx="3">
+            <a:schemeClr val="accent2"/>
+          </a:lnRef>
+          <a:fillRef idx="0">
+            <a:schemeClr val="accent2"/>
+          </a:fillRef>
+          <a:effectRef idx="2">
+            <a:schemeClr val="accent2"/>
+          </a:effectRef>
+          <a:fontRef idx="minor">
+            <a:schemeClr val="tx1"/>
+          </a:fontRef>
+        </p:style>
+      </p:cxnSp>
+      <p:cxnSp>
+        <p:nvCxnSpPr>
+          <p:cNvPr id="36" name="Straight Arrow Connector 35">
+            <a:extLst>
+              <a:ext uri="{FF2B5EF4-FFF2-40B4-BE49-F238E27FC236}">
+                <a16:creationId xmlns:a16="http://schemas.microsoft.com/office/drawing/2014/main" id="{EDCA1534-2974-4E49-BC8D-0E9E811719A2}"/>
+              </a:ext>
+            </a:extLst>
+          </p:cNvPr>
+          <p:cNvCxnSpPr>
+            <a:cxnSpLocks/>
+            <a:endCxn id="4" idx="0"/>
+          </p:cNvCxnSpPr>
+          <p:nvPr/>
+        </p:nvCxnSpPr>
+        <p:spPr>
+          <a:xfrm>
+            <a:off x="3050715" y="1814624"/>
+            <a:ext cx="1229439" cy="970167"/>
+          </a:xfrm>
+          <a:prstGeom prst="straightConnector1">
+            <a:avLst/>
+          </a:prstGeom>
+          <a:ln w="38100">
+            <a:solidFill>
+              <a:schemeClr val="accent2"/>
+            </a:solidFill>
+            <a:tailEnd type="triangle"/>
+          </a:ln>
+        </p:spPr>
+        <p:style>
+          <a:lnRef idx="3">
+            <a:schemeClr val="accent2"/>
+          </a:lnRef>
+          <a:fillRef idx="0">
+            <a:schemeClr val="accent2"/>
+          </a:fillRef>
+          <a:effectRef idx="2">
+            <a:schemeClr val="accent2"/>
+          </a:effectRef>
+          <a:fontRef idx="minor">
+            <a:schemeClr val="tx1"/>
+          </a:fontRef>
+        </p:style>
+      </p:cxnSp>
+      <p:sp>
+        <p:nvSpPr>
+          <p:cNvPr id="38" name="TextBox 37">
+            <a:extLst>
+              <a:ext uri="{FF2B5EF4-FFF2-40B4-BE49-F238E27FC236}">
+                <a16:creationId xmlns:a16="http://schemas.microsoft.com/office/drawing/2014/main" id="{EDB1770C-8EC6-B44A-9F99-9F337AF7993A}"/>
+              </a:ext>
+            </a:extLst>
+          </p:cNvPr>
+          <p:cNvSpPr txBox="1"/>
+          <p:nvPr/>
+        </p:nvSpPr>
+        <p:spPr>
+          <a:xfrm>
+            <a:off x="4449493" y="1121378"/>
+            <a:ext cx="631904" cy="369332"/>
+          </a:xfrm>
+          <a:prstGeom prst="rect">
+            <a:avLst/>
+          </a:prstGeom>
+          <a:noFill/>
+        </p:spPr>
+        <p:txBody>
+          <a:bodyPr wrap="none" rtlCol="0">
+            <a:spAutoFit/>
+          </a:bodyPr>
+          <a:lstStyle/>
+          <a:p>
+            <a:r>
+              <a:rPr lang="en-US" dirty="0"/>
+              <a:t>DMZ</a:t>
+            </a:r>
+          </a:p>
+        </p:txBody>
+      </p:sp>
     </p:spTree>
     <p:extLst>
       <p:ext uri="{BB962C8B-B14F-4D97-AF65-F5344CB8AC3E}">
